--- a/ProjectDemo.pptx
+++ b/ProjectDemo.pptx
@@ -3749,13 +3749,19 @@
           <a:p>
             <a:r>
               <a:rPr lang="en-US" dirty="0"/>
-              <a:t>Therefore, problem of log analysis can greatly benefit </a:t>
+              <a:t>Studies in the past have presented as Hadoop MR as a POC for </a:t>
             </a:r>
             <a:r>
               <a:rPr lang="en-US"/>
-              <a:t>from column-based file formats.</a:t>
+              <a:t>log analysis.</a:t>
             </a:r>
             <a:endParaRPr lang="en-US" dirty="0"/>
+          </a:p>
+          <a:p>
+            <a:r>
+              <a:rPr lang="en-US" dirty="0"/>
+              <a:t>Therefore, problem of log analysis can greatly benefit from column-based file formats.</a:t>
+            </a:r>
           </a:p>
           <a:p>
             <a:pPr marL="0" indent="0">

--- a/ProjectDemo.pptx
+++ b/ProjectDemo.pptx
@@ -115,6 +115,11 @@
       </a:defRPr>
     </a:lvl9pPr>
   </p:defaultTextStyle>
+  <p:extLst>
+    <p:ext uri="{EFAFB233-063F-42B5-8137-9DF3F51BA10A}">
+      <p15:sldGuideLst xmlns:p15="http://schemas.microsoft.com/office/powerpoint/2012/main"/>
+    </p:ext>
+  </p:extLst>
 </p:presentation>
 </file>
 
@@ -343,7 +348,7 @@
             <a:fld id="{5586B75A-687E-405C-8A0B-8D00578BA2C3}" type="datetimeFigureOut">
               <a:rPr lang="en-US" dirty="0"/>
               <a:pPr/>
-              <a:t>12/19/20</a:t>
+              <a:t>12/22/20</a:t>
             </a:fld>
             <a:endParaRPr lang="en-US" dirty="0"/>
           </a:p>
@@ -510,7 +515,7 @@
             <a:fld id="{5586B75A-687E-405C-8A0B-8D00578BA2C3}" type="datetimeFigureOut">
               <a:rPr lang="en-US" dirty="0"/>
               <a:pPr/>
-              <a:t>12/19/20</a:t>
+              <a:t>12/22/20</a:t>
             </a:fld>
             <a:endParaRPr lang="en-US" dirty="0"/>
           </a:p>
@@ -687,7 +692,7 @@
             <a:fld id="{5586B75A-687E-405C-8A0B-8D00578BA2C3}" type="datetimeFigureOut">
               <a:rPr lang="en-US" dirty="0"/>
               <a:pPr/>
-              <a:t>12/19/20</a:t>
+              <a:t>12/22/20</a:t>
             </a:fld>
             <a:endParaRPr lang="en-US" dirty="0"/>
           </a:p>
@@ -854,7 +859,7 @@
             <a:fld id="{5586B75A-687E-405C-8A0B-8D00578BA2C3}" type="datetimeFigureOut">
               <a:rPr lang="en-US" dirty="0"/>
               <a:pPr/>
-              <a:t>12/19/20</a:t>
+              <a:t>12/22/20</a:t>
             </a:fld>
             <a:endParaRPr lang="en-US" dirty="0"/>
           </a:p>
@@ -1109,7 +1114,7 @@
             <a:fld id="{5586B75A-687E-405C-8A0B-8D00578BA2C3}" type="datetimeFigureOut">
               <a:rPr lang="en-US" dirty="0"/>
               <a:pPr/>
-              <a:t>12/19/20</a:t>
+              <a:t>12/22/20</a:t>
             </a:fld>
             <a:endParaRPr lang="en-US" dirty="0"/>
           </a:p>
@@ -1394,7 +1399,7 @@
             <a:fld id="{5586B75A-687E-405C-8A0B-8D00578BA2C3}" type="datetimeFigureOut">
               <a:rPr lang="en-US" dirty="0"/>
               <a:pPr/>
-              <a:t>12/19/20</a:t>
+              <a:t>12/22/20</a:t>
             </a:fld>
             <a:endParaRPr lang="en-US" dirty="0"/>
           </a:p>
@@ -1833,7 +1838,7 @@
             <a:fld id="{5586B75A-687E-405C-8A0B-8D00578BA2C3}" type="datetimeFigureOut">
               <a:rPr lang="en-US" dirty="0"/>
               <a:pPr/>
-              <a:t>12/19/20</a:t>
+              <a:t>12/22/20</a:t>
             </a:fld>
             <a:endParaRPr lang="en-US" dirty="0"/>
           </a:p>
@@ -1948,7 +1953,7 @@
             <a:fld id="{5586B75A-687E-405C-8A0B-8D00578BA2C3}" type="datetimeFigureOut">
               <a:rPr lang="en-US" dirty="0"/>
               <a:pPr/>
-              <a:t>12/19/20</a:t>
+              <a:t>12/22/20</a:t>
             </a:fld>
             <a:endParaRPr lang="en-US" dirty="0"/>
           </a:p>
@@ -2040,7 +2045,7 @@
             <a:fld id="{5586B75A-687E-405C-8A0B-8D00578BA2C3}" type="datetimeFigureOut">
               <a:rPr lang="en-US" dirty="0"/>
               <a:pPr/>
-              <a:t>12/19/20</a:t>
+              <a:t>12/22/20</a:t>
             </a:fld>
             <a:endParaRPr lang="en-US" dirty="0"/>
           </a:p>
@@ -2325,7 +2330,7 @@
             <a:fld id="{5586B75A-687E-405C-8A0B-8D00578BA2C3}" type="datetimeFigureOut">
               <a:rPr lang="en-US" dirty="0"/>
               <a:pPr/>
-              <a:t>12/19/20</a:t>
+              <a:t>12/22/20</a:t>
             </a:fld>
             <a:endParaRPr lang="en-US" dirty="0"/>
           </a:p>
@@ -2595,7 +2600,7 @@
             <a:fld id="{5586B75A-687E-405C-8A0B-8D00578BA2C3}" type="datetimeFigureOut">
               <a:rPr lang="en-US" dirty="0"/>
               <a:pPr/>
-              <a:t>12/19/20</a:t>
+              <a:t>12/22/20</a:t>
             </a:fld>
             <a:endParaRPr lang="en-US" dirty="0"/>
           </a:p>
@@ -2889,7 +2894,7 @@
             <a:fld id="{5586B75A-687E-405C-8A0B-8D00578BA2C3}" type="datetimeFigureOut">
               <a:rPr lang="en-US" dirty="0"/>
               <a:pPr/>
-              <a:t>12/19/20</a:t>
+              <a:t>12/22/20</a:t>
             </a:fld>
             <a:endParaRPr lang="en-US" dirty="0"/>
           </a:p>

--- a/ProjectDemo.pptx
+++ b/ProjectDemo.pptx
@@ -348,7 +348,7 @@
             <a:fld id="{5586B75A-687E-405C-8A0B-8D00578BA2C3}" type="datetimeFigureOut">
               <a:rPr lang="en-US" dirty="0"/>
               <a:pPr/>
-              <a:t>12/22/20</a:t>
+              <a:t>1/5/21</a:t>
             </a:fld>
             <a:endParaRPr lang="en-US" dirty="0"/>
           </a:p>
@@ -515,7 +515,7 @@
             <a:fld id="{5586B75A-687E-405C-8A0B-8D00578BA2C3}" type="datetimeFigureOut">
               <a:rPr lang="en-US" dirty="0"/>
               <a:pPr/>
-              <a:t>12/22/20</a:t>
+              <a:t>1/5/21</a:t>
             </a:fld>
             <a:endParaRPr lang="en-US" dirty="0"/>
           </a:p>
@@ -692,7 +692,7 @@
             <a:fld id="{5586B75A-687E-405C-8A0B-8D00578BA2C3}" type="datetimeFigureOut">
               <a:rPr lang="en-US" dirty="0"/>
               <a:pPr/>
-              <a:t>12/22/20</a:t>
+              <a:t>1/5/21</a:t>
             </a:fld>
             <a:endParaRPr lang="en-US" dirty="0"/>
           </a:p>
@@ -859,7 +859,7 @@
             <a:fld id="{5586B75A-687E-405C-8A0B-8D00578BA2C3}" type="datetimeFigureOut">
               <a:rPr lang="en-US" dirty="0"/>
               <a:pPr/>
-              <a:t>12/22/20</a:t>
+              <a:t>1/5/21</a:t>
             </a:fld>
             <a:endParaRPr lang="en-US" dirty="0"/>
           </a:p>
@@ -1114,7 +1114,7 @@
             <a:fld id="{5586B75A-687E-405C-8A0B-8D00578BA2C3}" type="datetimeFigureOut">
               <a:rPr lang="en-US" dirty="0"/>
               <a:pPr/>
-              <a:t>12/22/20</a:t>
+              <a:t>1/5/21</a:t>
             </a:fld>
             <a:endParaRPr lang="en-US" dirty="0"/>
           </a:p>
@@ -1399,7 +1399,7 @@
             <a:fld id="{5586B75A-687E-405C-8A0B-8D00578BA2C3}" type="datetimeFigureOut">
               <a:rPr lang="en-US" dirty="0"/>
               <a:pPr/>
-              <a:t>12/22/20</a:t>
+              <a:t>1/5/21</a:t>
             </a:fld>
             <a:endParaRPr lang="en-US" dirty="0"/>
           </a:p>
@@ -1838,7 +1838,7 @@
             <a:fld id="{5586B75A-687E-405C-8A0B-8D00578BA2C3}" type="datetimeFigureOut">
               <a:rPr lang="en-US" dirty="0"/>
               <a:pPr/>
-              <a:t>12/22/20</a:t>
+              <a:t>1/5/21</a:t>
             </a:fld>
             <a:endParaRPr lang="en-US" dirty="0"/>
           </a:p>
@@ -1953,7 +1953,7 @@
             <a:fld id="{5586B75A-687E-405C-8A0B-8D00578BA2C3}" type="datetimeFigureOut">
               <a:rPr lang="en-US" dirty="0"/>
               <a:pPr/>
-              <a:t>12/22/20</a:t>
+              <a:t>1/5/21</a:t>
             </a:fld>
             <a:endParaRPr lang="en-US" dirty="0"/>
           </a:p>
@@ -2045,7 +2045,7 @@
             <a:fld id="{5586B75A-687E-405C-8A0B-8D00578BA2C3}" type="datetimeFigureOut">
               <a:rPr lang="en-US" dirty="0"/>
               <a:pPr/>
-              <a:t>12/22/20</a:t>
+              <a:t>1/5/21</a:t>
             </a:fld>
             <a:endParaRPr lang="en-US" dirty="0"/>
           </a:p>
@@ -2330,7 +2330,7 @@
             <a:fld id="{5586B75A-687E-405C-8A0B-8D00578BA2C3}" type="datetimeFigureOut">
               <a:rPr lang="en-US" dirty="0"/>
               <a:pPr/>
-              <a:t>12/22/20</a:t>
+              <a:t>1/5/21</a:t>
             </a:fld>
             <a:endParaRPr lang="en-US" dirty="0"/>
           </a:p>
@@ -2600,7 +2600,7 @@
             <a:fld id="{5586B75A-687E-405C-8A0B-8D00578BA2C3}" type="datetimeFigureOut">
               <a:rPr lang="en-US" dirty="0"/>
               <a:pPr/>
-              <a:t>12/22/20</a:t>
+              <a:t>1/5/21</a:t>
             </a:fld>
             <a:endParaRPr lang="en-US" dirty="0"/>
           </a:p>
@@ -2894,7 +2894,7 @@
             <a:fld id="{5586B75A-687E-405C-8A0B-8D00578BA2C3}" type="datetimeFigureOut">
               <a:rPr lang="en-US" dirty="0"/>
               <a:pPr/>
-              <a:t>12/22/20</a:t>
+              <a:t>1/5/21</a:t>
             </a:fld>
             <a:endParaRPr lang="en-US" dirty="0"/>
           </a:p>
@@ -3398,8 +3398,13 @@
           <a:p>
             <a:r>
               <a:rPr lang="en-US" dirty="0"/>
-              <a:t>Performance Evaluation of File Formats on Hadoop MR and Apache Spark</a:t>
-            </a:r>
+              <a:t>Performance Evaluation of File Formats on Hadoop MR and Apache Spark: Towards a </a:t>
+            </a:r>
+            <a:r>
+              <a:rPr lang="en-US"/>
+              <a:t>predictive model</a:t>
+            </a:r>
+            <a:endParaRPr lang="en-US" dirty="0"/>
           </a:p>
         </p:txBody>
       </p:sp>
@@ -3754,25 +3759,14 @@
           <a:p>
             <a:r>
               <a:rPr lang="en-US" dirty="0"/>
-              <a:t>Studies in the past have presented as Hadoop MR as a POC for </a:t>
-            </a:r>
-            <a:r>
-              <a:rPr lang="en-US"/>
-              <a:t>log analysis.</a:t>
-            </a:r>
-            <a:endParaRPr lang="en-US" dirty="0"/>
+              <a:t>Studies in the past have presented as Hadoop MR as a POC for log analysis.</a:t>
+            </a:r>
           </a:p>
           <a:p>
             <a:r>
               <a:rPr lang="en-US" dirty="0"/>
               <a:t>Therefore, problem of log analysis can greatly benefit from column-based file formats.</a:t>
             </a:r>
-          </a:p>
-          <a:p>
-            <a:pPr marL="0" indent="0">
-              <a:buNone/>
-            </a:pPr>
-            <a:endParaRPr lang="en-US" dirty="0"/>
           </a:p>
         </p:txBody>
       </p:sp>
